--- a/PartnerTraining/git-github-workflow-training.pptx
+++ b/PartnerTraining/git-github-workflow-training.pptx
@@ -6704,16 +6704,16 @@
               <a:t> branch of </a:t>
             </a:r>
             <a:r>
-              <a:rPr lang="en-US" b="1" dirty="0"/>
-              <a:t>azure-content-</a:t>
-            </a:r>
-            <a:r>
-              <a:rPr lang="en-US" b="1" dirty="0" err="1"/>
-              <a:t>pr</a:t>
+              <a:rPr lang="en-US" b="1" dirty="0" smtClean="0"/>
+              <a:t>a private repo</a:t>
+            </a:r>
+            <a:r>
+              <a:rPr lang="en-US" dirty="0" smtClean="0"/>
+              <a:t> </a:t>
             </a:r>
             <a:r>
               <a:rPr lang="en-US" dirty="0"/>
-              <a:t> is published live at 10 AM and 3 PM Monday - Friday.</a:t>
+              <a:t>is published live at 10 AM and 3 PM Monday - Friday.</a:t>
             </a:r>
             <a:br>
               <a:rPr lang="en-US" dirty="0"/>
@@ -6768,57 +6768,6 @@
           </a:p>
         </p:txBody>
       </p:sp>
-      <p:pic>
-        <p:nvPicPr>
-          <p:cNvPr id="2050" name="Picture 2"/>
-          <p:cNvPicPr>
-            <a:picLocks noChangeAspect="1" noChangeArrowheads="1"/>
-          </p:cNvPicPr>
-          <p:nvPr/>
-        </p:nvPicPr>
-        <p:blipFill>
-          <a:blip r:embed="rId2">
-            <a:extLst>
-              <a:ext uri="{28A0092B-C50C-407E-A947-70E740481C1C}">
-                <a14:useLocalDpi xmlns:a14="http://schemas.microsoft.com/office/drawing/2010/main" val="0"/>
-              </a:ext>
-            </a:extLst>
-          </a:blip>
-          <a:srcRect/>
-          <a:stretch>
-            <a:fillRect/>
-          </a:stretch>
-        </p:blipFill>
-        <p:spPr bwMode="auto">
-          <a:xfrm>
-            <a:off x="7896051" y="1801091"/>
-            <a:ext cx="4132986" cy="3195782"/>
-          </a:xfrm>
-          <a:prstGeom prst="rect">
-            <a:avLst/>
-          </a:prstGeom>
-          <a:noFill/>
-          <a:ln w="9525">
-            <a:solidFill>
-              <a:schemeClr val="bg1">
-                <a:lumMod val="85000"/>
-              </a:schemeClr>
-            </a:solidFill>
-            <a:miter lim="800000"/>
-            <a:headEnd/>
-            <a:tailEnd/>
-          </a:ln>
-          <a:extLst>
-            <a:ext uri="{909E8E84-426E-40DD-AFC4-6F175D3DCCD1}">
-              <a14:hiddenFill xmlns:a14="http://schemas.microsoft.com/office/drawing/2010/main">
-                <a:solidFill>
-                  <a:schemeClr val="accent1"/>
-                </a:solidFill>
-              </a14:hiddenFill>
-            </a:ext>
-          </a:extLst>
-        </p:spPr>
-      </p:pic>
     </p:spTree>
     <p:extLst>
       <p:ext uri="{BB962C8B-B14F-4D97-AF65-F5344CB8AC3E}">
@@ -7235,9 +7184,10 @@
           </a:p>
           <a:p>
             <a:r>
-              <a:rPr lang="en-US" sz="1600" dirty="0"/>
-              <a:t>We use Atom to edit articles.</a:t>
-            </a:r>
+              <a:rPr lang="en-US" sz="1600" dirty="0" smtClean="0"/>
+              <a:t>You can use whatever editor you prefer (we recommend ATOM)</a:t>
+            </a:r>
+            <a:endParaRPr lang="en-US" sz="1600" dirty="0"/>
           </a:p>
           <a:p>
             <a:r>
@@ -7254,33 +7204,54 @@
               <a:rPr lang="en-US" sz="1600" dirty="0">
                 <a:hlinkClick r:id="rId2"/>
               </a:rPr>
-              <a:t>a template article </a:t>
-            </a:r>
-            <a:r>
-              <a:rPr lang="en-US" sz="1600" dirty="0"/>
-              <a:t>with common formatting so you can learn markdown by using it.</a:t>
-            </a:r>
-          </a:p>
-          <a:p>
-            <a:r>
-              <a:rPr lang="en-US" sz="1600" dirty="0"/>
-              <a:t>Special things like notes, videos, and other elements are enabled by extensions. See the </a:t>
+              <a:t>a template article</a:t>
             </a:r>
             <a:r>
               <a:rPr lang="en-US" sz="1600" dirty="0">
                 <a:hlinkClick r:id="rId3"/>
               </a:rPr>
-              <a:t>extensions wiki topic </a:t>
+              <a:t> </a:t>
             </a:r>
             <a:r>
               <a:rPr lang="en-US" sz="1600" dirty="0"/>
-              <a:t>for details.</a:t>
+              <a:t>with common formatting so you can learn markdown by using it.</a:t>
             </a:r>
           </a:p>
           <a:p>
             <a:r>
               <a:rPr lang="en-US" sz="1600" dirty="0"/>
-              <a:t>To add images, you must create a folder in the “media” folder for each article, and then put your images in that folder. The folder name must be identical to the topic name. Each topic must have it’s own image folder – do not share images across topics.</a:t>
+              <a:t>Special things like notes, videos, and other elements are enabled by extensions. </a:t>
+            </a:r>
+            <a:r>
+              <a:rPr lang="en-US" sz="1600" dirty="0" smtClean="0"/>
+              <a:t>See </a:t>
+            </a:r>
+            <a:r>
+              <a:rPr lang="en-US" sz="1600" dirty="0">
+                <a:hlinkClick r:id="rId2"/>
+              </a:rPr>
+              <a:t>a template article</a:t>
+            </a:r>
+            <a:r>
+              <a:rPr lang="en-US" sz="1600" dirty="0">
+                <a:hlinkClick r:id="rId3"/>
+              </a:rPr>
+              <a:t> </a:t>
+            </a:r>
+            <a:r>
+              <a:rPr lang="en-US" sz="1600" dirty="0" smtClean="0"/>
+              <a:t>for syntax.</a:t>
+            </a:r>
+            <a:endParaRPr lang="en-US" sz="1600" dirty="0" smtClean="0"/>
+          </a:p>
+          <a:p>
+            <a:r>
+              <a:rPr lang="en-US" sz="1600" dirty="0" smtClean="0"/>
+              <a:t>To </a:t>
+            </a:r>
+            <a:r>
+              <a:rPr lang="en-US" sz="1600" dirty="0"/>
+              <a:t>add images, you must create a folder in the “media” folder for each article, and then put your images in that folder. The folder name must be identical to the topic name. Each topic must have it’s own image folder – do not share images across topics.</a:t>
             </a:r>
           </a:p>
           <a:p>
@@ -7327,7 +7298,7 @@
         </p:blipFill>
         <p:spPr bwMode="auto">
           <a:xfrm>
-            <a:off x="342901" y="1107043"/>
+            <a:off x="403861" y="1198483"/>
             <a:ext cx="4751613" cy="1137354"/>
           </a:xfrm>
           <a:prstGeom prst="rect">
@@ -7537,12 +7508,16 @@
               <a:t>You’ll monitor and respond to </a:t>
             </a:r>
             <a:r>
-              <a:rPr lang="en-US" dirty="0" err="1"/>
-              <a:t>Disqus</a:t>
+              <a:rPr lang="en-US" dirty="0" err="1" smtClean="0"/>
+              <a:t>LiveFyre</a:t>
+            </a:r>
+            <a:r>
+              <a:rPr lang="en-US" dirty="0" smtClean="0"/>
+              <a:t> </a:t>
             </a:r>
             <a:r>
               <a:rPr lang="en-US" dirty="0"/>
-              <a:t> comments on articles.</a:t>
+              <a:t>comments on articles.</a:t>
             </a:r>
             <a:br>
               <a:rPr lang="en-US" dirty="0"/>
@@ -8885,76 +8860,14 @@
       </p:sp>
       <p:pic>
         <p:nvPicPr>
-          <p:cNvPr id="15" name="Picture 14"/>
-          <p:cNvPicPr>
-            <a:picLocks noChangeAspect="1"/>
-          </p:cNvPicPr>
-          <p:nvPr/>
-        </p:nvPicPr>
-        <p:blipFill>
-          <a:blip r:embed="rId2"/>
-          <a:stretch>
-            <a:fillRect/>
-          </a:stretch>
-        </p:blipFill>
-        <p:spPr>
-          <a:xfrm>
-            <a:off x="8233147" y="717195"/>
-            <a:ext cx="3401258" cy="2944528"/>
-          </a:xfrm>
-          <a:prstGeom prst="rect">
-            <a:avLst/>
-          </a:prstGeom>
-          <a:ln>
-            <a:solidFill>
-              <a:schemeClr val="bg1">
-                <a:lumMod val="85000"/>
-              </a:schemeClr>
-            </a:solidFill>
-          </a:ln>
-        </p:spPr>
-      </p:pic>
-      <p:pic>
-        <p:nvPicPr>
-          <p:cNvPr id="19" name="Picture 18"/>
-          <p:cNvPicPr>
-            <a:picLocks noChangeAspect="1"/>
-          </p:cNvPicPr>
-          <p:nvPr/>
-        </p:nvPicPr>
-        <p:blipFill>
-          <a:blip r:embed="rId3"/>
-          <a:stretch>
-            <a:fillRect/>
-          </a:stretch>
-        </p:blipFill>
-        <p:spPr>
-          <a:xfrm>
-            <a:off x="5144887" y="5041212"/>
-            <a:ext cx="2282156" cy="1700268"/>
-          </a:xfrm>
-          <a:prstGeom prst="rect">
-            <a:avLst/>
-          </a:prstGeom>
-          <a:ln>
-            <a:solidFill>
-              <a:schemeClr val="bg1">
-                <a:lumMod val="85000"/>
-              </a:schemeClr>
-            </a:solidFill>
-          </a:ln>
-        </p:spPr>
-      </p:pic>
-      <p:pic>
-        <p:nvPicPr>
-          <p:cNvPr id="1026" name="Picture 2" descr="http://mutinybaywebs.homestead.com/PeopleLookingAtLaptop.jpg"/>
+          <p:cNvPr id="24" name="Picture 2" descr="http://ts2.mm.bing.net/th?id=HN.608008966934956396&amp;w=88&amp;h=88&amp;c=7&amp;rs=1&amp;qlt=90&amp;o=4&amp;pid=1.7"/>
           <p:cNvPicPr>
             <a:picLocks noChangeAspect="1" noChangeArrowheads="1"/>
           </p:cNvPicPr>
           <p:nvPr/>
         </p:nvPicPr>
         <p:blipFill>
-          <a:blip r:embed="rId4" cstate="print">
+          <a:blip r:embed="rId2" cstate="print">
             <a:extLst>
               <a:ext uri="{28A0092B-C50C-407E-A947-70E740481C1C}">
                 <a14:useLocalDpi xmlns:a14="http://schemas.microsoft.com/office/drawing/2010/main" val="0"/>
@@ -8968,8 +8881,8 @@
         </p:blipFill>
         <p:spPr bwMode="auto">
           <a:xfrm>
-            <a:off x="12131028" y="1445790"/>
-            <a:ext cx="1946013" cy="1295050"/>
+            <a:off x="1316173" y="1711321"/>
+            <a:ext cx="251090" cy="251091"/>
           </a:xfrm>
           <a:prstGeom prst="rect">
             <a:avLst/>
@@ -8988,14 +8901,14 @@
       </p:pic>
       <p:pic>
         <p:nvPicPr>
-          <p:cNvPr id="24" name="Picture 2" descr="http://ts2.mm.bing.net/th?id=HN.608008966934956396&amp;w=88&amp;h=88&amp;c=7&amp;rs=1&amp;qlt=90&amp;o=4&amp;pid=1.7"/>
+          <p:cNvPr id="25" name="Picture 2" descr="http://ts2.mm.bing.net/th?id=HN.608008966934956396&amp;w=88&amp;h=88&amp;c=7&amp;rs=1&amp;qlt=90&amp;o=4&amp;pid=1.7"/>
           <p:cNvPicPr>
             <a:picLocks noChangeAspect="1" noChangeArrowheads="1"/>
           </p:cNvPicPr>
           <p:nvPr/>
         </p:nvPicPr>
         <p:blipFill>
-          <a:blip r:embed="rId5" cstate="print">
+          <a:blip r:embed="rId2" cstate="print">
             <a:extLst>
               <a:ext uri="{28A0092B-C50C-407E-A947-70E740481C1C}">
                 <a14:useLocalDpi xmlns:a14="http://schemas.microsoft.com/office/drawing/2010/main" val="0"/>
@@ -9009,7 +8922,7 @@
         </p:blipFill>
         <p:spPr bwMode="auto">
           <a:xfrm>
-            <a:off x="1316173" y="1711321"/>
+            <a:off x="1420389" y="1812353"/>
             <a:ext cx="251090" cy="251091"/>
           </a:xfrm>
           <a:prstGeom prst="rect">
@@ -9029,47 +8942,6 @@
       </p:pic>
       <p:pic>
         <p:nvPicPr>
-          <p:cNvPr id="25" name="Picture 2" descr="http://ts2.mm.bing.net/th?id=HN.608008966934956396&amp;w=88&amp;h=88&amp;c=7&amp;rs=1&amp;qlt=90&amp;o=4&amp;pid=1.7"/>
-          <p:cNvPicPr>
-            <a:picLocks noChangeAspect="1" noChangeArrowheads="1"/>
-          </p:cNvPicPr>
-          <p:nvPr/>
-        </p:nvPicPr>
-        <p:blipFill>
-          <a:blip r:embed="rId5" cstate="print">
-            <a:extLst>
-              <a:ext uri="{28A0092B-C50C-407E-A947-70E740481C1C}">
-                <a14:useLocalDpi xmlns:a14="http://schemas.microsoft.com/office/drawing/2010/main" val="0"/>
-              </a:ext>
-            </a:extLst>
-          </a:blip>
-          <a:srcRect/>
-          <a:stretch>
-            <a:fillRect/>
-          </a:stretch>
-        </p:blipFill>
-        <p:spPr bwMode="auto">
-          <a:xfrm>
-            <a:off x="1420389" y="1812353"/>
-            <a:ext cx="251090" cy="251091"/>
-          </a:xfrm>
-          <a:prstGeom prst="rect">
-            <a:avLst/>
-          </a:prstGeom>
-          <a:noFill/>
-          <a:extLst>
-            <a:ext uri="{909E8E84-426E-40DD-AFC4-6F175D3DCCD1}">
-              <a14:hiddenFill xmlns:a14="http://schemas.microsoft.com/office/drawing/2010/main">
-                <a:solidFill>
-                  <a:srgbClr val="FFFFFF"/>
-                </a:solidFill>
-              </a14:hiddenFill>
-            </a:ext>
-          </a:extLst>
-        </p:spPr>
-      </p:pic>
-      <p:pic>
-        <p:nvPicPr>
           <p:cNvPr id="26" name="Picture 2" descr="http://ts2.mm.bing.net/th?id=HN.608008966934956396&amp;w=88&amp;h=88&amp;c=7&amp;rs=1&amp;qlt=90&amp;o=4&amp;pid=1.7"/>
           <p:cNvPicPr>
             <a:picLocks noChangeAspect="1" noChangeArrowheads="1"/>
@@ -9077,7 +8949,7 @@
           <p:nvPr/>
         </p:nvPicPr>
         <p:blipFill>
-          <a:blip r:embed="rId5" cstate="print">
+          <a:blip r:embed="rId2" cstate="print">
             <a:extLst>
               <a:ext uri="{28A0092B-C50C-407E-A947-70E740481C1C}">
                 <a14:useLocalDpi xmlns:a14="http://schemas.microsoft.com/office/drawing/2010/main" val="0"/>
@@ -9160,14 +9032,22 @@
             </a:br>
             <a:r>
               <a:rPr lang="en-US" dirty="0"/>
-              <a:t> local clone of the private</a:t>
+              <a:t> local clone of </a:t>
+            </a:r>
+            <a:r>
+              <a:rPr lang="en-US" dirty="0" smtClean="0"/>
+              <a:t>the private</a:t>
             </a:r>
             <a:br>
+              <a:rPr lang="en-US" dirty="0" smtClean="0"/>
+            </a:br>
+            <a:r>
+              <a:rPr lang="en-US" dirty="0" smtClean="0"/>
+              <a:t> GitHub </a:t>
+            </a:r>
+            <a:r>
               <a:rPr lang="en-US" dirty="0"/>
-            </a:br>
-            <a:r>
-              <a:rPr lang="en-US" dirty="0"/>
-              <a:t> GitHub repository</a:t>
+              <a:t>repository</a:t>
             </a:r>
           </a:p>
         </p:txBody>
@@ -9181,7 +9061,7 @@
           <p:nvPr/>
         </p:nvPicPr>
         <p:blipFill>
-          <a:blip r:embed="rId6">
+          <a:blip r:embed="rId3">
             <a:extLst>
               <a:ext uri="{28A0092B-C50C-407E-A947-70E740481C1C}">
                 <a14:useLocalDpi xmlns:a14="http://schemas.microsoft.com/office/drawing/2010/main" val="0"/>
@@ -9285,8 +9165,13 @@
           <a:p>
             <a:r>
               <a:rPr lang="en-US" sz="1100" b="1" dirty="0"/>
-              <a:t>https://github.com/&lt;account&gt;/azure-content-pr</a:t>
-            </a:r>
+              <a:t>https://github.com/&lt;account</a:t>
+            </a:r>
+            <a:r>
+              <a:rPr lang="en-US" sz="1100" b="1" dirty="0" smtClean="0"/>
+              <a:t>&gt;/Azure-RMSDocs-pr</a:t>
+            </a:r>
+            <a:endParaRPr lang="en-US" sz="1100" b="1" dirty="0"/>
           </a:p>
         </p:txBody>
       </p:sp>
@@ -9299,7 +9184,7 @@
           <p:nvPr/>
         </p:nvPicPr>
         <p:blipFill>
-          <a:blip r:embed="rId7"/>
+          <a:blip r:embed="rId4"/>
           <a:stretch>
             <a:fillRect/>
           </a:stretch>
@@ -9530,7 +9415,7 @@
           <p:nvPr/>
         </p:nvPicPr>
         <p:blipFill>
-          <a:blip r:embed="rId7"/>
+          <a:blip r:embed="rId4"/>
           <a:stretch>
             <a:fillRect/>
           </a:stretch>
@@ -9568,17 +9453,26 @@
           <a:lstStyle/>
           <a:p>
             <a:r>
-              <a:rPr lang="en-US" dirty="0"/>
-              <a:t>Azure-content-</a:t>
-            </a:r>
-            <a:r>
-              <a:rPr lang="en-US" dirty="0" err="1"/>
+              <a:rPr lang="en-US" dirty="0" smtClean="0"/>
+              <a:t>Azure-</a:t>
+            </a:r>
+            <a:r>
+              <a:rPr lang="en-US" dirty="0" err="1" smtClean="0"/>
+              <a:t>RMSDoc</a:t>
+            </a:r>
+            <a:r>
+              <a:rPr lang="en-US" dirty="0" smtClean="0"/>
+              <a:t>-</a:t>
+            </a:r>
+            <a:r>
+              <a:rPr lang="en-US" dirty="0" err="1" smtClean="0"/>
               <a:t>pr</a:t>
             </a:r>
             <a:r>
-              <a:rPr lang="en-US" dirty="0"/>
+              <a:rPr lang="en-US" dirty="0" smtClean="0"/>
               <a:t>/master</a:t>
             </a:r>
+            <a:endParaRPr lang="en-US" dirty="0"/>
           </a:p>
         </p:txBody>
       </p:sp>
@@ -9629,7 +9523,7 @@
           <p:nvPr/>
         </p:nvPicPr>
         <p:blipFill>
-          <a:blip r:embed="rId8" cstate="print">
+          <a:blip r:embed="rId5" cstate="print">
             <a:extLst>
               <a:ext uri="{28A0092B-C50C-407E-A947-70E740481C1C}">
                 <a14:useLocalDpi xmlns:a14="http://schemas.microsoft.com/office/drawing/2010/main" val="0"/>
@@ -9831,7 +9725,7 @@
         <p:spPr>
           <a:xfrm>
             <a:off x="7944608" y="3801766"/>
-            <a:ext cx="4085542" cy="523220"/>
+            <a:ext cx="4085542" cy="307777"/>
           </a:xfrm>
           <a:prstGeom prst="rect">
             <a:avLst/>
@@ -9851,14 +9745,17 @@
             </a:r>
             <a:r>
               <a:rPr lang="en-US" sz="1400" dirty="0">
-                <a:hlinkClick r:id="rId9"/>
+                <a:hlinkClick r:id="rId6"/>
               </a:rPr>
-              <a:t>https://azure.microsoft.com/documentation/articles</a:t>
-            </a:r>
-            <a:r>
-              <a:rPr lang="en-US" sz="1400" dirty="0"/>
-              <a:t> </a:t>
-            </a:r>
+              <a:t>https</a:t>
+            </a:r>
+            <a:r>
+              <a:rPr lang="en-US" sz="1400" dirty="0" smtClean="0">
+                <a:hlinkClick r:id="rId6"/>
+              </a:rPr>
+              <a:t>://docs.microsoft.com/</a:t>
+            </a:r>
+            <a:endParaRPr lang="en-US" sz="1400" dirty="0"/>
           </a:p>
         </p:txBody>
       </p:sp>
@@ -9901,7 +9798,7 @@
           <p:nvPr/>
         </p:nvPicPr>
         <p:blipFill>
-          <a:blip r:embed="rId5" cstate="print">
+          <a:blip r:embed="rId2" cstate="print">
             <a:extLst>
               <a:ext uri="{28A0092B-C50C-407E-A947-70E740481C1C}">
                 <a14:useLocalDpi xmlns:a14="http://schemas.microsoft.com/office/drawing/2010/main" val="0"/>
@@ -9942,7 +9839,7 @@
           <p:nvPr/>
         </p:nvPicPr>
         <p:blipFill>
-          <a:blip r:embed="rId5" cstate="print">
+          <a:blip r:embed="rId2" cstate="print">
             <a:extLst>
               <a:ext uri="{28A0092B-C50C-407E-A947-70E740481C1C}">
                 <a14:useLocalDpi xmlns:a14="http://schemas.microsoft.com/office/drawing/2010/main" val="0"/>
@@ -9983,7 +9880,7 @@
           <p:nvPr/>
         </p:nvPicPr>
         <p:blipFill>
-          <a:blip r:embed="rId5" cstate="print">
+          <a:blip r:embed="rId2" cstate="print">
             <a:extLst>
               <a:ext uri="{28A0092B-C50C-407E-A947-70E740481C1C}">
                 <a14:useLocalDpi xmlns:a14="http://schemas.microsoft.com/office/drawing/2010/main" val="0"/>
@@ -10122,7 +10019,7 @@
           <p:nvPr/>
         </p:nvPicPr>
         <p:blipFill>
-          <a:blip r:embed="rId10"/>
+          <a:blip r:embed="rId7"/>
           <a:stretch>
             <a:fillRect/>
           </a:stretch>
@@ -10131,6 +10028,54 @@
           <a:xfrm>
             <a:off x="5631635" y="4234806"/>
             <a:ext cx="704850" cy="390525"/>
+          </a:xfrm>
+          <a:prstGeom prst="rect">
+            <a:avLst/>
+          </a:prstGeom>
+        </p:spPr>
+      </p:pic>
+      <p:pic>
+        <p:nvPicPr>
+          <p:cNvPr id="2" name="Picture 1"/>
+          <p:cNvPicPr>
+            <a:picLocks noChangeAspect="1"/>
+          </p:cNvPicPr>
+          <p:nvPr/>
+        </p:nvPicPr>
+        <p:blipFill>
+          <a:blip r:embed="rId8"/>
+          <a:stretch>
+            <a:fillRect/>
+          </a:stretch>
+        </p:blipFill>
+        <p:spPr>
+          <a:xfrm>
+            <a:off x="7968400" y="1197903"/>
+            <a:ext cx="4061750" cy="2519471"/>
+          </a:xfrm>
+          <a:prstGeom prst="rect">
+            <a:avLst/>
+          </a:prstGeom>
+        </p:spPr>
+      </p:pic>
+      <p:pic>
+        <p:nvPicPr>
+          <p:cNvPr id="3" name="Picture 2"/>
+          <p:cNvPicPr>
+            <a:picLocks noChangeAspect="1"/>
+          </p:cNvPicPr>
+          <p:nvPr/>
+        </p:nvPicPr>
+        <p:blipFill>
+          <a:blip r:embed="rId9"/>
+          <a:stretch>
+            <a:fillRect/>
+          </a:stretch>
+        </p:blipFill>
+        <p:spPr>
+          <a:xfrm>
+            <a:off x="5232125" y="5249580"/>
+            <a:ext cx="2131802" cy="1314098"/>
           </a:xfrm>
           <a:prstGeom prst="rect">
             <a:avLst/>
@@ -10172,7 +10117,6 @@
           <p:cNvPr id="45" name="Straight Arrow Connector 44"/>
           <p:cNvCxnSpPr>
             <a:stCxn id="60" idx="0"/>
-            <a:endCxn id="19" idx="2"/>
           </p:cNvCxnSpPr>
           <p:nvPr/>
         </p:nvCxnSpPr>
@@ -10319,68 +10263,6 @@
       </p:sp>
       <p:pic>
         <p:nvPicPr>
-          <p:cNvPr id="15" name="Picture 14"/>
-          <p:cNvPicPr>
-            <a:picLocks noChangeAspect="1"/>
-          </p:cNvPicPr>
-          <p:nvPr/>
-        </p:nvPicPr>
-        <p:blipFill>
-          <a:blip r:embed="rId2"/>
-          <a:stretch>
-            <a:fillRect/>
-          </a:stretch>
-        </p:blipFill>
-        <p:spPr>
-          <a:xfrm>
-            <a:off x="9078900" y="659023"/>
-            <a:ext cx="2716975" cy="2352132"/>
-          </a:xfrm>
-          <a:prstGeom prst="rect">
-            <a:avLst/>
-          </a:prstGeom>
-          <a:ln>
-            <a:solidFill>
-              <a:schemeClr val="bg1">
-                <a:lumMod val="85000"/>
-              </a:schemeClr>
-            </a:solidFill>
-          </a:ln>
-        </p:spPr>
-      </p:pic>
-      <p:pic>
-        <p:nvPicPr>
-          <p:cNvPr id="19" name="Picture 18"/>
-          <p:cNvPicPr>
-            <a:picLocks noChangeAspect="1"/>
-          </p:cNvPicPr>
-          <p:nvPr/>
-        </p:nvPicPr>
-        <p:blipFill>
-          <a:blip r:embed="rId3"/>
-          <a:stretch>
-            <a:fillRect/>
-          </a:stretch>
-        </p:blipFill>
-        <p:spPr>
-          <a:xfrm>
-            <a:off x="4982709" y="1013379"/>
-            <a:ext cx="1538889" cy="1146514"/>
-          </a:xfrm>
-          <a:prstGeom prst="rect">
-            <a:avLst/>
-          </a:prstGeom>
-          <a:ln>
-            <a:solidFill>
-              <a:schemeClr val="bg1">
-                <a:lumMod val="85000"/>
-              </a:schemeClr>
-            </a:solidFill>
-          </a:ln>
-        </p:spPr>
-      </p:pic>
-      <p:pic>
-        <p:nvPicPr>
           <p:cNvPr id="1026" name="Picture 2" descr="http://mutinybaywebs.homestead.com/PeopleLookingAtLaptop.jpg"/>
           <p:cNvPicPr>
             <a:picLocks noChangeAspect="1" noChangeArrowheads="1"/>
@@ -10388,7 +10270,7 @@
           <p:nvPr/>
         </p:nvPicPr>
         <p:blipFill>
-          <a:blip r:embed="rId4" cstate="print">
+          <a:blip r:embed="rId2" cstate="print">
             <a:extLst>
               <a:ext uri="{28A0092B-C50C-407E-A947-70E740481C1C}">
                 <a14:useLocalDpi xmlns:a14="http://schemas.microsoft.com/office/drawing/2010/main" val="0"/>
@@ -10424,7 +10306,6 @@
         <p:nvCxnSpPr>
           <p:cNvPr id="30" name="Straight Arrow Connector 29"/>
           <p:cNvCxnSpPr>
-            <a:stCxn id="19" idx="3"/>
             <a:endCxn id="9" idx="3"/>
           </p:cNvCxnSpPr>
           <p:nvPr/>
@@ -10504,8 +10385,13 @@
           <a:p>
             <a:r>
               <a:rPr lang="en-US" sz="1100" b="1" dirty="0"/>
-              <a:t>https://github.com/&lt;account&gt;/azure-content</a:t>
-            </a:r>
+              <a:t>https://github.com/&lt;account</a:t>
+            </a:r>
+            <a:r>
+              <a:rPr lang="en-US" sz="1100" b="1" dirty="0" smtClean="0"/>
+              <a:t>&gt;/Azure-RMSDocs</a:t>
+            </a:r>
+            <a:endParaRPr lang="en-US" sz="1100" b="1" dirty="0"/>
           </a:p>
         </p:txBody>
       </p:sp>
@@ -10518,7 +10404,7 @@
           <p:nvPr/>
         </p:nvPicPr>
         <p:blipFill>
-          <a:blip r:embed="rId5"/>
+          <a:blip r:embed="rId3"/>
           <a:stretch>
             <a:fillRect/>
           </a:stretch>
@@ -10622,36 +10508,6 @@
       </p:cxnSp>
       <p:sp>
         <p:nvSpPr>
-          <p:cNvPr id="52" name="TextBox 51"/>
-          <p:cNvSpPr txBox="1"/>
-          <p:nvPr/>
-        </p:nvSpPr>
-        <p:spPr>
-          <a:xfrm>
-            <a:off x="12743758" y="4475090"/>
-            <a:ext cx="1555850" cy="1477328"/>
-          </a:xfrm>
-          <a:prstGeom prst="rect">
-            <a:avLst/>
-          </a:prstGeom>
-          <a:noFill/>
-        </p:spPr>
-        <p:txBody>
-          <a:bodyPr wrap="square" rtlCol="0">
-            <a:spAutoFit/>
-          </a:bodyPr>
-          <a:lstStyle/>
-          <a:p>
-            <a:pPr algn="ctr"/>
-            <a:r>
-              <a:rPr lang="en-US" dirty="0"/>
-              <a:t>Community can modify articles in the GitHub public repository</a:t>
-            </a:r>
-          </a:p>
-        </p:txBody>
-      </p:sp>
-      <p:sp>
-        <p:nvSpPr>
           <p:cNvPr id="33" name="Rectangle 32"/>
           <p:cNvSpPr/>
           <p:nvPr/>
@@ -10709,7 +10565,7 @@
           <p:nvPr/>
         </p:nvPicPr>
         <p:blipFill>
-          <a:blip r:embed="rId5"/>
+          <a:blip r:embed="rId3"/>
           <a:stretch>
             <a:fillRect/>
           </a:stretch>
@@ -10732,8 +10588,8 @@
         </p:nvSpPr>
         <p:spPr>
           <a:xfrm>
-            <a:off x="4507613" y="646385"/>
-            <a:ext cx="2615472" cy="369332"/>
+            <a:off x="4400062" y="646385"/>
+            <a:ext cx="2723023" cy="369332"/>
           </a:xfrm>
           <a:prstGeom prst="rect">
             <a:avLst/>
@@ -10747,17 +10603,26 @@
           <a:lstStyle/>
           <a:p>
             <a:r>
-              <a:rPr lang="en-US" dirty="0"/>
-              <a:t>Azure-content-</a:t>
-            </a:r>
-            <a:r>
-              <a:rPr lang="en-US" dirty="0" err="1"/>
+              <a:rPr lang="en-US" dirty="0" smtClean="0"/>
+              <a:t>Azure-</a:t>
+            </a:r>
+            <a:r>
+              <a:rPr lang="en-US" dirty="0" err="1" smtClean="0"/>
+              <a:t>RMSDocs</a:t>
+            </a:r>
+            <a:r>
+              <a:rPr lang="en-US" dirty="0" smtClean="0"/>
+              <a:t>-</a:t>
+            </a:r>
+            <a:r>
+              <a:rPr lang="en-US" dirty="0" err="1" smtClean="0"/>
               <a:t>pr</a:t>
             </a:r>
             <a:r>
-              <a:rPr lang="en-US" dirty="0"/>
+              <a:rPr lang="en-US" dirty="0" smtClean="0"/>
               <a:t>/master</a:t>
             </a:r>
+            <a:endParaRPr lang="en-US" dirty="0"/>
           </a:p>
         </p:txBody>
       </p:sp>
@@ -10770,7 +10635,7 @@
           <p:nvPr/>
         </p:nvPicPr>
         <p:blipFill>
-          <a:blip r:embed="rId6" cstate="print">
+          <a:blip r:embed="rId4" cstate="print">
             <a:extLst>
               <a:ext uri="{28A0092B-C50C-407E-A947-70E740481C1C}">
                 <a14:useLocalDpi xmlns:a14="http://schemas.microsoft.com/office/drawing/2010/main" val="0"/>
@@ -10915,8 +10780,8 @@
         </p:nvSpPr>
         <p:spPr>
           <a:xfrm>
-            <a:off x="8252489" y="2922175"/>
-            <a:ext cx="4085542" cy="523220"/>
+            <a:off x="9036647" y="3053317"/>
+            <a:ext cx="3087634" cy="307777"/>
           </a:xfrm>
           <a:prstGeom prst="rect">
             <a:avLst/>
@@ -10935,14 +10800,17 @@
             </a:r>
             <a:r>
               <a:rPr lang="en-US" sz="1400" dirty="0">
-                <a:hlinkClick r:id="rId7"/>
+                <a:hlinkClick r:id="rId5"/>
               </a:rPr>
-              <a:t>https://azure.microsoft.com/documentation/articles</a:t>
-            </a:r>
-            <a:r>
-              <a:rPr lang="en-US" sz="1400" dirty="0"/>
-              <a:t> </a:t>
-            </a:r>
+              <a:t>https</a:t>
+            </a:r>
+            <a:r>
+              <a:rPr lang="en-US" sz="1400" dirty="0" smtClean="0">
+                <a:hlinkClick r:id="rId5"/>
+              </a:rPr>
+              <a:t>://docs.microsoft.com/</a:t>
+            </a:r>
+            <a:endParaRPr lang="en-US" sz="1400" dirty="0"/>
           </a:p>
         </p:txBody>
       </p:sp>
@@ -11040,7 +10908,7 @@
           <p:nvPr/>
         </p:nvPicPr>
         <p:blipFill>
-          <a:blip r:embed="rId8"/>
+          <a:blip r:embed="rId6"/>
           <a:stretch>
             <a:fillRect/>
           </a:stretch>
@@ -11100,7 +10968,7 @@
       </p:cxnSp>
       <p:pic>
         <p:nvPicPr>
-          <p:cNvPr id="59" name="Picture 58"/>
+          <p:cNvPr id="60" name="Picture 59"/>
           <p:cNvPicPr>
             <a:picLocks noChangeAspect="1"/>
           </p:cNvPicPr>
@@ -11114,43 +10982,12 @@
         </p:blipFill>
         <p:spPr>
           <a:xfrm>
-            <a:off x="5087668" y="5305999"/>
-            <a:ext cx="1538889" cy="1146514"/>
+            <a:off x="5542928" y="4566046"/>
+            <a:ext cx="532542" cy="378924"/>
           </a:xfrm>
           <a:prstGeom prst="rect">
             <a:avLst/>
           </a:prstGeom>
-          <a:ln>
-            <a:solidFill>
-              <a:schemeClr val="bg1">
-                <a:lumMod val="85000"/>
-              </a:schemeClr>
-            </a:solidFill>
-          </a:ln>
-        </p:spPr>
-      </p:pic>
-      <p:pic>
-        <p:nvPicPr>
-          <p:cNvPr id="60" name="Picture 59"/>
-          <p:cNvPicPr>
-            <a:picLocks noChangeAspect="1"/>
-          </p:cNvPicPr>
-          <p:nvPr/>
-        </p:nvPicPr>
-        <p:blipFill>
-          <a:blip r:embed="rId5"/>
-          <a:stretch>
-            <a:fillRect/>
-          </a:stretch>
-        </p:blipFill>
-        <p:spPr>
-          <a:xfrm>
-            <a:off x="5542928" y="4566046"/>
-            <a:ext cx="532542" cy="378924"/>
-          </a:xfrm>
-          <a:prstGeom prst="rect">
-            <a:avLst/>
-          </a:prstGeom>
         </p:spPr>
       </p:pic>
       <p:sp>
@@ -11162,7 +10999,7 @@
         <p:spPr>
           <a:xfrm>
             <a:off x="4639206" y="4939005"/>
-            <a:ext cx="2347520" cy="369332"/>
+            <a:ext cx="2475106" cy="369332"/>
           </a:xfrm>
           <a:prstGeom prst="rect">
             <a:avLst/>
@@ -11176,9 +11013,18 @@
           <a:lstStyle/>
           <a:p>
             <a:r>
-              <a:rPr lang="en-US" dirty="0"/>
-              <a:t>Azure-content/master</a:t>
-            </a:r>
+              <a:rPr lang="en-US" dirty="0" smtClean="0"/>
+              <a:t>Azure-</a:t>
+            </a:r>
+            <a:r>
+              <a:rPr lang="en-US" dirty="0" err="1" smtClean="0"/>
+              <a:t>RMSDocs</a:t>
+            </a:r>
+            <a:r>
+              <a:rPr lang="en-US" dirty="0" smtClean="0"/>
+              <a:t>/master</a:t>
+            </a:r>
+            <a:endParaRPr lang="en-US" dirty="0"/>
           </a:p>
         </p:txBody>
       </p:sp>
@@ -11332,7 +11178,7 @@
           <p:nvPr/>
         </p:nvPicPr>
         <p:blipFill>
-          <a:blip r:embed="rId9">
+          <a:blip r:embed="rId7">
             <a:extLst>
               <a:ext uri="{28A0092B-C50C-407E-A947-70E740481C1C}">
                 <a14:useLocalDpi xmlns:a14="http://schemas.microsoft.com/office/drawing/2010/main" val="0"/>
@@ -11347,6 +11193,78 @@
           <a:xfrm>
             <a:off x="3850826" y="6028004"/>
             <a:ext cx="829996" cy="829996"/>
+          </a:xfrm>
+          <a:prstGeom prst="rect">
+            <a:avLst/>
+          </a:prstGeom>
+        </p:spPr>
+      </p:pic>
+      <p:pic>
+        <p:nvPicPr>
+          <p:cNvPr id="37" name="Picture 36"/>
+          <p:cNvPicPr>
+            <a:picLocks noChangeAspect="1"/>
+          </p:cNvPicPr>
+          <p:nvPr/>
+        </p:nvPicPr>
+        <p:blipFill>
+          <a:blip r:embed="rId8"/>
+          <a:stretch>
+            <a:fillRect/>
+          </a:stretch>
+        </p:blipFill>
+        <p:spPr>
+          <a:xfrm>
+            <a:off x="9228230" y="1236790"/>
+            <a:ext cx="2704467" cy="1677559"/>
+          </a:xfrm>
+          <a:prstGeom prst="rect">
+            <a:avLst/>
+          </a:prstGeom>
+        </p:spPr>
+      </p:pic>
+      <p:pic>
+        <p:nvPicPr>
+          <p:cNvPr id="40" name="Picture 39"/>
+          <p:cNvPicPr>
+            <a:picLocks noChangeAspect="1"/>
+          </p:cNvPicPr>
+          <p:nvPr/>
+        </p:nvPicPr>
+        <p:blipFill>
+          <a:blip r:embed="rId9"/>
+          <a:stretch>
+            <a:fillRect/>
+          </a:stretch>
+        </p:blipFill>
+        <p:spPr>
+          <a:xfrm>
+            <a:off x="4472905" y="968886"/>
+            <a:ext cx="1913479" cy="1179518"/>
+          </a:xfrm>
+          <a:prstGeom prst="rect">
+            <a:avLst/>
+          </a:prstGeom>
+        </p:spPr>
+      </p:pic>
+      <p:pic>
+        <p:nvPicPr>
+          <p:cNvPr id="41" name="Picture 40"/>
+          <p:cNvPicPr>
+            <a:picLocks noChangeAspect="1"/>
+          </p:cNvPicPr>
+          <p:nvPr/>
+        </p:nvPicPr>
+        <p:blipFill>
+          <a:blip r:embed="rId9"/>
+          <a:stretch>
+            <a:fillRect/>
+          </a:stretch>
+        </p:blipFill>
+        <p:spPr>
+          <a:xfrm>
+            <a:off x="5062046" y="5362659"/>
+            <a:ext cx="1913479" cy="1179518"/>
           </a:xfrm>
           <a:prstGeom prst="rect">
             <a:avLst/>
@@ -11563,7 +11481,19 @@
             </a:br>
             <a:r>
               <a:rPr lang="en-US" dirty="0"/>
-              <a:t>        of azure-content-</a:t>
+              <a:t>        of </a:t>
+            </a:r>
+            <a:r>
+              <a:rPr lang="en-US" dirty="0"/>
+              <a:t>Azure-</a:t>
+            </a:r>
+            <a:r>
+              <a:rPr lang="en-US" dirty="0" err="1"/>
+              <a:t>RMSDocs</a:t>
+            </a:r>
+            <a:r>
+              <a:rPr lang="en-US" dirty="0"/>
+              <a:t>-</a:t>
             </a:r>
             <a:r>
               <a:rPr lang="en-US" dirty="0" err="1"/>
@@ -11862,8 +11792,8 @@
         </p:nvSpPr>
         <p:spPr>
           <a:xfrm>
-            <a:off x="1518557" y="1248993"/>
-            <a:ext cx="2898321" cy="369332"/>
+            <a:off x="1386841" y="1248993"/>
+            <a:ext cx="3030038" cy="369332"/>
           </a:xfrm>
           <a:prstGeom prst="rect">
             <a:avLst/>
@@ -11877,11 +11807,19 @@
           <a:lstStyle/>
           <a:p>
             <a:r>
-              <a:rPr lang="en-US" dirty="0"/>
-              <a:t>Azure/azure-content-</a:t>
-            </a:r>
-            <a:r>
-              <a:rPr lang="en-US" dirty="0" err="1"/>
+              <a:rPr lang="en-US" dirty="0" smtClean="0"/>
+              <a:t>Microsoft/Azure-</a:t>
+            </a:r>
+            <a:r>
+              <a:rPr lang="en-US" dirty="0" err="1" smtClean="0"/>
+              <a:t>RMSDocs</a:t>
+            </a:r>
+            <a:r>
+              <a:rPr lang="en-US" dirty="0" smtClean="0"/>
+              <a:t>-</a:t>
+            </a:r>
+            <a:r>
+              <a:rPr lang="en-US" dirty="0" err="1" smtClean="0"/>
               <a:t>pr</a:t>
             </a:r>
             <a:endParaRPr lang="en-US" dirty="0"/>
@@ -11916,7 +11854,15 @@
             </a:r>
             <a:r>
               <a:rPr lang="en-US" dirty="0"/>
-              <a:t>/azure-content-</a:t>
+              <a:t>/Azure-</a:t>
+            </a:r>
+            <a:r>
+              <a:rPr lang="en-US" dirty="0" err="1"/>
+              <a:t>RMSDocs</a:t>
+            </a:r>
+            <a:r>
+              <a:rPr lang="en-US" dirty="0"/>
+              <a:t>-</a:t>
             </a:r>
             <a:r>
               <a:rPr lang="en-US" dirty="0" err="1"/>
@@ -12521,70 +12467,55 @@
       </p:grpSpPr>
       <p:pic>
         <p:nvPicPr>
-          <p:cNvPr id="1026" name="Picture 2"/>
+          <p:cNvPr id="3" name="Picture 2"/>
           <p:cNvPicPr>
-            <a:picLocks noChangeAspect="1" noChangeArrowheads="1"/>
+            <a:picLocks noChangeAspect="1"/>
           </p:cNvPicPr>
           <p:nvPr/>
         </p:nvPicPr>
         <p:blipFill>
-          <a:blip r:embed="rId2">
-            <a:extLst>
-              <a:ext uri="{28A0092B-C50C-407E-A947-70E740481C1C}">
-                <a14:useLocalDpi xmlns:a14="http://schemas.microsoft.com/office/drawing/2010/main" val="0"/>
-              </a:ext>
-            </a:extLst>
-          </a:blip>
-          <a:srcRect/>
+          <a:blip r:embed="rId2"/>
           <a:stretch>
             <a:fillRect/>
           </a:stretch>
         </p:blipFill>
-        <p:spPr bwMode="auto">
-          <a:xfrm>
-            <a:off x="2571069" y="966412"/>
-            <a:ext cx="7163481" cy="4960859"/>
+        <p:spPr>
+          <a:xfrm>
+            <a:off x="2098847" y="1049720"/>
+            <a:ext cx="7654126" cy="4718202"/>
           </a:xfrm>
           <a:prstGeom prst="rect">
             <a:avLst/>
           </a:prstGeom>
-          <a:noFill/>
-          <a:ln w="9525">
-            <a:solidFill>
-              <a:schemeClr val="tx1"/>
-            </a:solidFill>
-            <a:miter lim="800000"/>
-            <a:headEnd/>
-            <a:tailEnd/>
-          </a:ln>
-          <a:extLst>
-            <a:ext uri="{909E8E84-426E-40DD-AFC4-6F175D3DCCD1}">
-              <a14:hiddenFill xmlns:a14="http://schemas.microsoft.com/office/drawing/2010/main">
-                <a:solidFill>
-                  <a:schemeClr val="accent1"/>
-                </a:solidFill>
-              </a14:hiddenFill>
-            </a:ext>
-          </a:extLst>
         </p:spPr>
       </p:pic>
       <p:sp>
         <p:nvSpPr>
-          <p:cNvPr id="4" name="Rectangular Callout 3"/>
+          <p:cNvPr id="9" name="Rectangular Callout 8"/>
           <p:cNvSpPr/>
           <p:nvPr/>
         </p:nvSpPr>
         <p:spPr>
           <a:xfrm>
-            <a:off x="383721" y="590855"/>
+            <a:off x="9982199" y="2282070"/>
             <a:ext cx="1485900" cy="1042002"/>
           </a:xfrm>
           <a:prstGeom prst="wedgeRectCallout">
             <a:avLst>
-              <a:gd name="adj1" fmla="val 119826"/>
-              <a:gd name="adj2" fmla="val 39855"/>
+              <a:gd name="adj1" fmla="val -73654"/>
+              <a:gd name="adj2" fmla="val 17342"/>
             </a:avLst>
           </a:prstGeom>
+          <a:solidFill>
+            <a:srgbClr val="00B0F0"/>
+          </a:solidFill>
+          <a:ln>
+            <a:solidFill>
+              <a:schemeClr val="bg1">
+                <a:lumMod val="75000"/>
+              </a:schemeClr>
+            </a:solidFill>
+          </a:ln>
         </p:spPr>
         <p:style>
           <a:lnRef idx="2">
@@ -12607,33 +12538,78 @@
           <a:lstStyle/>
           <a:p>
             <a:r>
-              <a:rPr lang="en-US" sz="1400" dirty="0">
+              <a:rPr lang="en-US" sz="1400" dirty="0" smtClean="0">
                 <a:solidFill>
                   <a:schemeClr val="tx1"/>
                 </a:solidFill>
               </a:rPr>
-              <a:t>Tells you which org, repository, and fork you are looking at.</a:t>
-            </a:r>
-          </a:p>
-        </p:txBody>
-      </p:sp>
-      <p:sp>
-        <p:nvSpPr>
-          <p:cNvPr id="6" name="Rectangular Callout 5"/>
+              <a:t>Provides the URL to clone </a:t>
+            </a:r>
+            <a:endParaRPr lang="en-US" sz="1400" dirty="0">
+              <a:solidFill>
+                <a:schemeClr val="tx1"/>
+              </a:solidFill>
+            </a:endParaRPr>
+          </a:p>
+        </p:txBody>
+      </p:sp>
+      <p:sp>
+        <p:nvSpPr>
+          <p:cNvPr id="5" name="TextBox 4"/>
+          <p:cNvSpPr txBox="1"/>
+          <p:nvPr/>
+        </p:nvSpPr>
+        <p:spPr>
+          <a:xfrm>
+            <a:off x="2571069" y="109162"/>
+            <a:ext cx="3347357" cy="707886"/>
+          </a:xfrm>
+          <a:prstGeom prst="rect">
+            <a:avLst/>
+          </a:prstGeom>
+          <a:noFill/>
+        </p:spPr>
+        <p:txBody>
+          <a:bodyPr wrap="square" rtlCol="0">
+            <a:spAutoFit/>
+          </a:bodyPr>
+          <a:lstStyle/>
+          <a:p>
+            <a:r>
+              <a:rPr lang="en-US" sz="4000" dirty="0"/>
+              <a:t>The GitHub UI</a:t>
+            </a:r>
+            <a:endParaRPr lang="en-US" dirty="0"/>
+          </a:p>
+        </p:txBody>
+      </p:sp>
+      <p:sp>
+        <p:nvSpPr>
+          <p:cNvPr id="13" name="Rectangular Callout 12"/>
           <p:cNvSpPr/>
           <p:nvPr/>
         </p:nvSpPr>
         <p:spPr>
           <a:xfrm>
-            <a:off x="383721" y="2065870"/>
+            <a:off x="391886" y="590855"/>
             <a:ext cx="1485900" cy="1042002"/>
           </a:xfrm>
           <a:prstGeom prst="wedgeRectCallout">
             <a:avLst>
-              <a:gd name="adj1" fmla="val 127518"/>
-              <a:gd name="adj2" fmla="val 679"/>
+              <a:gd name="adj1" fmla="val 71621"/>
+              <a:gd name="adj2" fmla="val 12797"/>
             </a:avLst>
           </a:prstGeom>
+          <a:solidFill>
+            <a:srgbClr val="00B0F0"/>
+          </a:solidFill>
+          <a:ln>
+            <a:solidFill>
+              <a:schemeClr val="bg1">
+                <a:lumMod val="75000"/>
+              </a:schemeClr>
+            </a:solidFill>
+          </a:ln>
         </p:spPr>
         <p:style>
           <a:lnRef idx="2">
@@ -12656,33 +12632,51 @@
           <a:lstStyle/>
           <a:p>
             <a:r>
+              <a:rPr lang="en-US" sz="1400" dirty="0" smtClean="0">
+                <a:solidFill>
+                  <a:schemeClr val="tx1"/>
+                </a:solidFill>
+              </a:rPr>
+              <a:t>Tells </a:t>
+            </a:r>
+            <a:r>
               <a:rPr lang="en-US" sz="1400" dirty="0">
                 <a:solidFill>
                   <a:schemeClr val="tx1"/>
                 </a:solidFill>
               </a:rPr>
-              <a:t>The list of branches that exist in the repository.</a:t>
-            </a:r>
-          </a:p>
-        </p:txBody>
-      </p:sp>
-      <p:sp>
-        <p:nvSpPr>
-          <p:cNvPr id="7" name="Rectangular Callout 6"/>
+              <a:t>you which org, repository, and fork you are looking at.</a:t>
+            </a:r>
+          </a:p>
+        </p:txBody>
+      </p:sp>
+      <p:sp>
+        <p:nvSpPr>
+          <p:cNvPr id="14" name="Rectangular Callout 13"/>
           <p:cNvSpPr/>
           <p:nvPr/>
         </p:nvSpPr>
         <p:spPr>
           <a:xfrm>
-            <a:off x="375556" y="3242741"/>
+            <a:off x="391886" y="2065870"/>
             <a:ext cx="1485900" cy="1042002"/>
           </a:xfrm>
           <a:prstGeom prst="wedgeRectCallout">
             <a:avLst>
-              <a:gd name="adj1" fmla="val 111034"/>
-              <a:gd name="adj2" fmla="val -50250"/>
+              <a:gd name="adj1" fmla="val 92133"/>
+              <a:gd name="adj2" fmla="val 35049"/>
             </a:avLst>
           </a:prstGeom>
+          <a:solidFill>
+            <a:srgbClr val="00B0F0"/>
+          </a:solidFill>
+          <a:ln>
+            <a:solidFill>
+              <a:schemeClr val="bg1">
+                <a:lumMod val="75000"/>
+              </a:schemeClr>
+            </a:solidFill>
+          </a:ln>
         </p:spPr>
         <p:style>
           <a:lnRef idx="2">
@@ -12705,33 +12699,51 @@
           <a:lstStyle/>
           <a:p>
             <a:r>
+              <a:rPr lang="en-US" sz="1400" dirty="0" smtClean="0">
+                <a:solidFill>
+                  <a:schemeClr val="tx1"/>
+                </a:solidFill>
+              </a:rPr>
+              <a:t>The </a:t>
+            </a:r>
+            <a:r>
               <a:rPr lang="en-US" sz="1400" dirty="0">
                 <a:solidFill>
                   <a:schemeClr val="tx1"/>
                 </a:solidFill>
               </a:rPr>
-              <a:t>All our articles live in this folder.</a:t>
-            </a:r>
-          </a:p>
-        </p:txBody>
-      </p:sp>
-      <p:sp>
-        <p:nvSpPr>
-          <p:cNvPr id="8" name="Rectangular Callout 7"/>
+              <a:t>list of branches that exist in the repository.</a:t>
+            </a:r>
+          </a:p>
+        </p:txBody>
+      </p:sp>
+      <p:sp>
+        <p:nvSpPr>
+          <p:cNvPr id="15" name="Rectangular Callout 14"/>
           <p:cNvSpPr/>
           <p:nvPr/>
         </p:nvSpPr>
         <p:spPr>
           <a:xfrm>
-            <a:off x="465364" y="5003498"/>
+            <a:off x="425673" y="4812461"/>
             <a:ext cx="1485900" cy="1042002"/>
           </a:xfrm>
           <a:prstGeom prst="wedgeRectCallout">
             <a:avLst>
-              <a:gd name="adj1" fmla="val 104441"/>
-              <a:gd name="adj2" fmla="val -194417"/>
+              <a:gd name="adj1" fmla="val 76162"/>
+              <a:gd name="adj2" fmla="val -123378"/>
             </a:avLst>
           </a:prstGeom>
+          <a:solidFill>
+            <a:srgbClr val="00B0F0"/>
+          </a:solidFill>
+          <a:ln>
+            <a:solidFill>
+              <a:schemeClr val="bg1">
+                <a:lumMod val="75000"/>
+              </a:schemeClr>
+            </a:solidFill>
+          </a:ln>
         </p:spPr>
         <p:style>
           <a:lnRef idx="2">
@@ -12754,31 +12766,62 @@
           <a:lstStyle/>
           <a:p>
             <a:r>
+              <a:rPr lang="en-US" sz="1400" dirty="0" smtClean="0">
+                <a:solidFill>
+                  <a:schemeClr val="tx1"/>
+                </a:solidFill>
+              </a:rPr>
+              <a:t>All </a:t>
+            </a:r>
+            <a:r>
               <a:rPr lang="en-US" sz="1400" dirty="0">
                 <a:solidFill>
                   <a:schemeClr val="tx1"/>
                 </a:solidFill>
               </a:rPr>
-              <a:t>All our  reusable content lives in the “includes” folder.</a:t>
-            </a:r>
-          </a:p>
-        </p:txBody>
-      </p:sp>
-      <p:sp>
-        <p:nvSpPr>
-          <p:cNvPr id="9" name="Rectangular Callout 8"/>
+              <a:t>our articles live in this folder.</a:t>
+            </a:r>
+          </a:p>
+        </p:txBody>
+      </p:sp>
+      <p:sp>
+        <p:nvSpPr>
+          <p:cNvPr id="2" name="Slide Number Placeholder 1"/>
+          <p:cNvSpPr>
+            <a:spLocks noGrp="1"/>
+          </p:cNvSpPr>
+          <p:nvPr>
+            <p:ph type="sldNum" sz="quarter" idx="12"/>
+          </p:nvPr>
+        </p:nvSpPr>
+        <p:spPr/>
+        <p:txBody>
+          <a:bodyPr/>
+          <a:lstStyle/>
+          <a:p>
+            <a:fld id="{17894036-FA33-48B5-BBDE-1535D6213033}" type="slidenum">
+              <a:rPr lang="en-US" smtClean="0"/>
+              <a:t>6</a:t>
+            </a:fld>
+            <a:endParaRPr lang="en-US" dirty="0"/>
+          </a:p>
+        </p:txBody>
+      </p:sp>
+      <p:sp>
+        <p:nvSpPr>
+          <p:cNvPr id="19" name="Rectangular Callout 18"/>
           <p:cNvSpPr/>
           <p:nvPr/>
         </p:nvSpPr>
         <p:spPr>
           <a:xfrm>
-            <a:off x="9982199" y="2282070"/>
+            <a:off x="425673" y="3408821"/>
             <a:ext cx="1485900" cy="1042002"/>
           </a:xfrm>
           <a:prstGeom prst="wedgeRectCallout">
             <a:avLst>
-              <a:gd name="adj1" fmla="val -120834"/>
-              <a:gd name="adj2" fmla="val -12641"/>
+              <a:gd name="adj1" fmla="val 131547"/>
+              <a:gd name="adj2" fmla="val -79501"/>
             </a:avLst>
           </a:prstGeom>
           <a:solidFill>
@@ -12813,518 +12856,18 @@
           <a:lstStyle/>
           <a:p>
             <a:r>
-              <a:rPr lang="en-US" sz="1400" dirty="0">
+              <a:rPr lang="en-US" sz="1400" dirty="0" smtClean="0">
                 <a:solidFill>
                   <a:schemeClr val="tx1"/>
                 </a:solidFill>
               </a:rPr>
-              <a:t>5. Click here to view or file a pull request.</a:t>
-            </a:r>
-          </a:p>
-        </p:txBody>
-      </p:sp>
-      <p:sp>
-        <p:nvSpPr>
-          <p:cNvPr id="10" name="Rectangular Callout 9"/>
-          <p:cNvSpPr/>
-          <p:nvPr/>
-        </p:nvSpPr>
-        <p:spPr>
-          <a:xfrm>
-            <a:off x="9873338" y="3763742"/>
-            <a:ext cx="1485900" cy="1042002"/>
-          </a:xfrm>
-          <a:prstGeom prst="wedgeRectCallout">
-            <a:avLst>
-              <a:gd name="adj1" fmla="val -453802"/>
-              <a:gd name="adj2" fmla="val -57302"/>
-            </a:avLst>
-          </a:prstGeom>
-        </p:spPr>
-        <p:style>
-          <a:lnRef idx="2">
-            <a:schemeClr val="accent1">
-              <a:shade val="50000"/>
-            </a:schemeClr>
-          </a:lnRef>
-          <a:fillRef idx="1">
-            <a:schemeClr val="accent1"/>
-          </a:fillRef>
-          <a:effectRef idx="0">
-            <a:schemeClr val="accent1"/>
-          </a:effectRef>
-          <a:fontRef idx="minor">
-            <a:schemeClr val="lt1"/>
-          </a:fontRef>
-        </p:style>
-        <p:txBody>
-          <a:bodyPr rtlCol="0" anchor="ctr"/>
-          <a:lstStyle/>
-          <a:p>
-            <a:r>
-              <a:rPr lang="en-US" sz="1400" dirty="0">
-                <a:solidFill>
-                  <a:schemeClr val="tx1"/>
-                </a:solidFill>
-              </a:rPr>
-              <a:t>Markdown templates are stored here.</a:t>
-            </a:r>
-          </a:p>
-        </p:txBody>
-      </p:sp>
-      <p:sp>
-        <p:nvSpPr>
-          <p:cNvPr id="11" name="Rectangular Callout 10"/>
-          <p:cNvSpPr/>
-          <p:nvPr/>
-        </p:nvSpPr>
-        <p:spPr>
-          <a:xfrm>
-            <a:off x="9873338" y="5246921"/>
-            <a:ext cx="1485900" cy="1042002"/>
-          </a:xfrm>
-          <a:prstGeom prst="wedgeRectCallout">
-            <a:avLst>
-              <a:gd name="adj1" fmla="val -453802"/>
-              <a:gd name="adj2" fmla="val -159159"/>
-            </a:avLst>
-          </a:prstGeom>
-        </p:spPr>
-        <p:style>
-          <a:lnRef idx="2">
-            <a:schemeClr val="accent1">
-              <a:shade val="50000"/>
-            </a:schemeClr>
-          </a:lnRef>
-          <a:fillRef idx="1">
-            <a:schemeClr val="accent1"/>
-          </a:fillRef>
-          <a:effectRef idx="0">
-            <a:schemeClr val="accent1"/>
-          </a:effectRef>
-          <a:fontRef idx="minor">
-            <a:schemeClr val="lt1"/>
-          </a:fontRef>
-        </p:style>
-        <p:txBody>
-          <a:bodyPr rtlCol="0" anchor="ctr"/>
-          <a:lstStyle/>
-          <a:p>
-            <a:r>
-              <a:rPr lang="en-US" sz="1400" dirty="0">
-                <a:solidFill>
-                  <a:schemeClr val="tx1"/>
-                </a:solidFill>
-              </a:rPr>
-              <a:t>Contributing.md lists all the commands for normal workflow.</a:t>
-            </a:r>
-          </a:p>
-        </p:txBody>
-      </p:sp>
-      <p:sp>
-        <p:nvSpPr>
-          <p:cNvPr id="5" name="TextBox 4"/>
-          <p:cNvSpPr txBox="1"/>
-          <p:nvPr/>
-        </p:nvSpPr>
-        <p:spPr>
-          <a:xfrm>
-            <a:off x="2571069" y="109162"/>
-            <a:ext cx="3347357" cy="707886"/>
-          </a:xfrm>
-          <a:prstGeom prst="rect">
-            <a:avLst/>
-          </a:prstGeom>
-          <a:noFill/>
-        </p:spPr>
-        <p:txBody>
-          <a:bodyPr wrap="square" rtlCol="0">
-            <a:spAutoFit/>
-          </a:bodyPr>
-          <a:lstStyle/>
-          <a:p>
-            <a:r>
-              <a:rPr lang="en-US" sz="4000" dirty="0"/>
-              <a:t>The GitHub UI</a:t>
-            </a:r>
-            <a:endParaRPr lang="en-US" dirty="0"/>
-          </a:p>
-        </p:txBody>
-      </p:sp>
-      <p:sp>
-        <p:nvSpPr>
-          <p:cNvPr id="13" name="Rectangular Callout 12"/>
-          <p:cNvSpPr/>
-          <p:nvPr/>
-        </p:nvSpPr>
-        <p:spPr>
-          <a:xfrm>
-            <a:off x="391886" y="590855"/>
-            <a:ext cx="1485900" cy="1042002"/>
-          </a:xfrm>
-          <a:prstGeom prst="wedgeRectCallout">
-            <a:avLst>
-              <a:gd name="adj1" fmla="val 119826"/>
-              <a:gd name="adj2" fmla="val 39855"/>
-            </a:avLst>
-          </a:prstGeom>
-          <a:solidFill>
-            <a:srgbClr val="00B0F0"/>
-          </a:solidFill>
-          <a:ln>
-            <a:solidFill>
-              <a:schemeClr val="bg1">
-                <a:lumMod val="75000"/>
-              </a:schemeClr>
-            </a:solidFill>
-          </a:ln>
-        </p:spPr>
-        <p:style>
-          <a:lnRef idx="2">
-            <a:schemeClr val="accent1">
-              <a:shade val="50000"/>
-            </a:schemeClr>
-          </a:lnRef>
-          <a:fillRef idx="1">
-            <a:schemeClr val="accent1"/>
-          </a:fillRef>
-          <a:effectRef idx="0">
-            <a:schemeClr val="accent1"/>
-          </a:effectRef>
-          <a:fontRef idx="minor">
-            <a:schemeClr val="lt1"/>
-          </a:fontRef>
-        </p:style>
-        <p:txBody>
-          <a:bodyPr rtlCol="0" anchor="ctr"/>
-          <a:lstStyle/>
-          <a:p>
-            <a:r>
-              <a:rPr lang="en-US" sz="1400" dirty="0">
-                <a:solidFill>
-                  <a:schemeClr val="tx1"/>
-                </a:solidFill>
-              </a:rPr>
-              <a:t>1. Tells you which org, repository, and fork you are looking at.</a:t>
-            </a:r>
-          </a:p>
-        </p:txBody>
-      </p:sp>
-      <p:sp>
-        <p:nvSpPr>
-          <p:cNvPr id="14" name="Rectangular Callout 13"/>
-          <p:cNvSpPr/>
-          <p:nvPr/>
-        </p:nvSpPr>
-        <p:spPr>
-          <a:xfrm>
-            <a:off x="391886" y="2065870"/>
-            <a:ext cx="1485900" cy="1042002"/>
-          </a:xfrm>
-          <a:prstGeom prst="wedgeRectCallout">
-            <a:avLst>
-              <a:gd name="adj1" fmla="val 127518"/>
-              <a:gd name="adj2" fmla="val 679"/>
-            </a:avLst>
-          </a:prstGeom>
-          <a:solidFill>
-            <a:srgbClr val="00B0F0"/>
-          </a:solidFill>
-          <a:ln>
-            <a:solidFill>
-              <a:schemeClr val="bg1">
-                <a:lumMod val="75000"/>
-              </a:schemeClr>
-            </a:solidFill>
-          </a:ln>
-        </p:spPr>
-        <p:style>
-          <a:lnRef idx="2">
-            <a:schemeClr val="accent1">
-              <a:shade val="50000"/>
-            </a:schemeClr>
-          </a:lnRef>
-          <a:fillRef idx="1">
-            <a:schemeClr val="accent1"/>
-          </a:fillRef>
-          <a:effectRef idx="0">
-            <a:schemeClr val="accent1"/>
-          </a:effectRef>
-          <a:fontRef idx="minor">
-            <a:schemeClr val="lt1"/>
-          </a:fontRef>
-        </p:style>
-        <p:txBody>
-          <a:bodyPr rtlCol="0" anchor="ctr"/>
-          <a:lstStyle/>
-          <a:p>
-            <a:r>
-              <a:rPr lang="en-US" sz="1400" dirty="0">
-                <a:solidFill>
-                  <a:schemeClr val="tx1"/>
-                </a:solidFill>
-              </a:rPr>
-              <a:t>2. The list of branches that exist in the repository.</a:t>
-            </a:r>
-          </a:p>
-        </p:txBody>
-      </p:sp>
-      <p:sp>
-        <p:nvSpPr>
-          <p:cNvPr id="15" name="Rectangular Callout 14"/>
-          <p:cNvSpPr/>
-          <p:nvPr/>
-        </p:nvSpPr>
-        <p:spPr>
-          <a:xfrm>
-            <a:off x="383721" y="3242741"/>
-            <a:ext cx="1485900" cy="1042002"/>
-          </a:xfrm>
-          <a:prstGeom prst="wedgeRectCallout">
-            <a:avLst>
-              <a:gd name="adj1" fmla="val 111034"/>
-              <a:gd name="adj2" fmla="val -50250"/>
-            </a:avLst>
-          </a:prstGeom>
-          <a:solidFill>
-            <a:srgbClr val="00B0F0"/>
-          </a:solidFill>
-          <a:ln>
-            <a:solidFill>
-              <a:schemeClr val="bg1">
-                <a:lumMod val="75000"/>
-              </a:schemeClr>
-            </a:solidFill>
-          </a:ln>
-        </p:spPr>
-        <p:style>
-          <a:lnRef idx="2">
-            <a:schemeClr val="accent1">
-              <a:shade val="50000"/>
-            </a:schemeClr>
-          </a:lnRef>
-          <a:fillRef idx="1">
-            <a:schemeClr val="accent1"/>
-          </a:fillRef>
-          <a:effectRef idx="0">
-            <a:schemeClr val="accent1"/>
-          </a:effectRef>
-          <a:fontRef idx="minor">
-            <a:schemeClr val="lt1"/>
-          </a:fontRef>
-        </p:style>
-        <p:txBody>
-          <a:bodyPr rtlCol="0" anchor="ctr"/>
-          <a:lstStyle/>
-          <a:p>
-            <a:r>
-              <a:rPr lang="en-US" sz="1400" dirty="0">
-                <a:solidFill>
-                  <a:schemeClr val="tx1"/>
-                </a:solidFill>
-              </a:rPr>
-              <a:t>3. All our articles live in this folder.</a:t>
-            </a:r>
-          </a:p>
-        </p:txBody>
-      </p:sp>
-      <p:sp>
-        <p:nvSpPr>
-          <p:cNvPr id="16" name="Rectangular Callout 15"/>
-          <p:cNvSpPr/>
-          <p:nvPr/>
-        </p:nvSpPr>
-        <p:spPr>
-          <a:xfrm>
-            <a:off x="473529" y="5003498"/>
-            <a:ext cx="1485900" cy="1042002"/>
-          </a:xfrm>
-          <a:prstGeom prst="wedgeRectCallout">
-            <a:avLst>
-              <a:gd name="adj1" fmla="val 104441"/>
-              <a:gd name="adj2" fmla="val -194417"/>
-            </a:avLst>
-          </a:prstGeom>
-          <a:solidFill>
-            <a:srgbClr val="00B0F0"/>
-          </a:solidFill>
-          <a:ln>
-            <a:solidFill>
-              <a:schemeClr val="bg1">
-                <a:lumMod val="75000"/>
-              </a:schemeClr>
-            </a:solidFill>
-          </a:ln>
-        </p:spPr>
-        <p:style>
-          <a:lnRef idx="2">
-            <a:schemeClr val="accent1">
-              <a:shade val="50000"/>
-            </a:schemeClr>
-          </a:lnRef>
-          <a:fillRef idx="1">
-            <a:schemeClr val="accent1"/>
-          </a:fillRef>
-          <a:effectRef idx="0">
-            <a:schemeClr val="accent1"/>
-          </a:effectRef>
-          <a:fontRef idx="minor">
-            <a:schemeClr val="lt1"/>
-          </a:fontRef>
-        </p:style>
-        <p:txBody>
-          <a:bodyPr rtlCol="0" anchor="ctr"/>
-          <a:lstStyle/>
-          <a:p>
-            <a:r>
-              <a:rPr lang="en-US" sz="1400" dirty="0">
-                <a:solidFill>
-                  <a:schemeClr val="tx1"/>
-                </a:solidFill>
-              </a:rPr>
-              <a:t>4. All our  reusable content lives in the “includes” folder.</a:t>
-            </a:r>
-          </a:p>
-        </p:txBody>
-      </p:sp>
-      <p:sp>
-        <p:nvSpPr>
-          <p:cNvPr id="17" name="Rectangular Callout 16"/>
-          <p:cNvSpPr/>
-          <p:nvPr/>
-        </p:nvSpPr>
-        <p:spPr>
-          <a:xfrm>
-            <a:off x="9881503" y="3763742"/>
-            <a:ext cx="1485900" cy="1042002"/>
-          </a:xfrm>
-          <a:prstGeom prst="wedgeRectCallout">
-            <a:avLst>
-              <a:gd name="adj1" fmla="val -453802"/>
-              <a:gd name="adj2" fmla="val -57302"/>
-            </a:avLst>
-          </a:prstGeom>
-          <a:solidFill>
-            <a:srgbClr val="00B0F0"/>
-          </a:solidFill>
-          <a:ln>
-            <a:solidFill>
-              <a:schemeClr val="bg1">
-                <a:lumMod val="75000"/>
-              </a:schemeClr>
-            </a:solidFill>
-          </a:ln>
-        </p:spPr>
-        <p:style>
-          <a:lnRef idx="2">
-            <a:schemeClr val="accent1">
-              <a:shade val="50000"/>
-            </a:schemeClr>
-          </a:lnRef>
-          <a:fillRef idx="1">
-            <a:schemeClr val="accent1"/>
-          </a:fillRef>
-          <a:effectRef idx="0">
-            <a:schemeClr val="accent1"/>
-          </a:effectRef>
-          <a:fontRef idx="minor">
-            <a:schemeClr val="lt1"/>
-          </a:fontRef>
-        </p:style>
-        <p:txBody>
-          <a:bodyPr rtlCol="0" anchor="ctr"/>
-          <a:lstStyle/>
-          <a:p>
-            <a:r>
-              <a:rPr lang="en-US" sz="1400" dirty="0">
-                <a:solidFill>
-                  <a:schemeClr val="tx1"/>
-                </a:solidFill>
-              </a:rPr>
-              <a:t>6. Markdown templates are stored here.</a:t>
-            </a:r>
-          </a:p>
-        </p:txBody>
-      </p:sp>
-      <p:sp>
-        <p:nvSpPr>
-          <p:cNvPr id="18" name="Rectangular Callout 17"/>
-          <p:cNvSpPr/>
-          <p:nvPr/>
-        </p:nvSpPr>
-        <p:spPr>
-          <a:xfrm>
-            <a:off x="9881503" y="5246921"/>
-            <a:ext cx="1793426" cy="1042002"/>
-          </a:xfrm>
-          <a:prstGeom prst="wedgeRectCallout">
-            <a:avLst>
-              <a:gd name="adj1" fmla="val -386427"/>
-              <a:gd name="adj2" fmla="val -159942"/>
-            </a:avLst>
-          </a:prstGeom>
-          <a:solidFill>
-            <a:srgbClr val="00B0F0"/>
-          </a:solidFill>
-          <a:ln>
-            <a:solidFill>
-              <a:schemeClr val="bg1">
-                <a:lumMod val="75000"/>
-              </a:schemeClr>
-            </a:solidFill>
-          </a:ln>
-        </p:spPr>
-        <p:style>
-          <a:lnRef idx="2">
-            <a:schemeClr val="accent1">
-              <a:shade val="50000"/>
-            </a:schemeClr>
-          </a:lnRef>
-          <a:fillRef idx="1">
-            <a:schemeClr val="accent1"/>
-          </a:fillRef>
-          <a:effectRef idx="0">
-            <a:schemeClr val="accent1"/>
-          </a:effectRef>
-          <a:fontRef idx="minor">
-            <a:schemeClr val="lt1"/>
-          </a:fontRef>
-        </p:style>
-        <p:txBody>
-          <a:bodyPr rtlCol="0" anchor="ctr"/>
-          <a:lstStyle/>
-          <a:p>
-            <a:r>
-              <a:rPr lang="en-US" sz="1400" dirty="0">
-                <a:solidFill>
-                  <a:schemeClr val="tx1"/>
-                </a:solidFill>
-              </a:rPr>
-              <a:t>7. Contributing.md is the overview topic in our contributors’ guide.</a:t>
-            </a:r>
-          </a:p>
-        </p:txBody>
-      </p:sp>
-      <p:sp>
-        <p:nvSpPr>
-          <p:cNvPr id="2" name="Slide Number Placeholder 1"/>
-          <p:cNvSpPr>
-            <a:spLocks noGrp="1"/>
-          </p:cNvSpPr>
-          <p:nvPr>
-            <p:ph type="sldNum" sz="quarter" idx="12"/>
-          </p:nvPr>
-        </p:nvSpPr>
-        <p:spPr/>
-        <p:txBody>
-          <a:bodyPr/>
-          <a:lstStyle/>
-          <a:p>
-            <a:fld id="{17894036-FA33-48B5-BBDE-1535D6213033}" type="slidenum">
-              <a:rPr lang="en-US" smtClean="0"/>
-              <a:t>6</a:t>
-            </a:fld>
-            <a:endParaRPr lang="en-US" dirty="0"/>
+              <a:t>Click here to create a new PR</a:t>
+            </a:r>
+            <a:endParaRPr lang="en-US" sz="1400" dirty="0">
+              <a:solidFill>
+                <a:schemeClr val="tx1"/>
+              </a:solidFill>
+            </a:endParaRPr>
           </a:p>
         </p:txBody>
       </p:sp>
@@ -13358,130 +12901,100 @@
           <a:chExt cx="0" cy="0"/>
         </a:xfrm>
       </p:grpSpPr>
-      <p:sp>
-        <p:nvSpPr>
-          <p:cNvPr id="2" name="Title 1"/>
-          <p:cNvSpPr>
-            <a:spLocks noGrp="1"/>
-          </p:cNvSpPr>
-          <p:nvPr>
-            <p:ph type="title"/>
-          </p:nvPr>
-        </p:nvSpPr>
-        <p:spPr/>
-        <p:txBody>
-          <a:bodyPr/>
-          <a:lstStyle/>
-          <a:p>
-            <a:r>
-              <a:rPr lang="en-US" dirty="0"/>
-              <a:t>Git Bash</a:t>
-            </a:r>
-          </a:p>
-        </p:txBody>
-      </p:sp>
-      <p:sp>
-        <p:nvSpPr>
-          <p:cNvPr id="3" name="Content Placeholder 2"/>
-          <p:cNvSpPr>
-            <a:spLocks noGrp="1"/>
-          </p:cNvSpPr>
-          <p:nvPr>
-            <p:ph idx="1"/>
-          </p:nvPr>
-        </p:nvSpPr>
-        <p:spPr>
-          <a:xfrm>
-            <a:off x="3303135" y="772432"/>
-            <a:ext cx="8437108" cy="1480911"/>
-          </a:xfrm>
-        </p:spPr>
-        <p:txBody>
-          <a:bodyPr>
-            <a:normAutofit/>
-          </a:bodyPr>
-          <a:lstStyle/>
-          <a:p>
-            <a:pPr marL="0" indent="0">
-              <a:buNone/>
-            </a:pPr>
-            <a:r>
-              <a:rPr lang="en-US" sz="2400" dirty="0"/>
-              <a:t>The command line tool you use to interact with the core repo, your forked repo, and the local copy of your fork. You use it to </a:t>
-            </a:r>
-            <a:r>
-              <a:rPr lang="en-US" sz="2400" b="1" dirty="0"/>
-              <a:t>pull</a:t>
-            </a:r>
-            <a:r>
-              <a:rPr lang="en-US" sz="2400" dirty="0"/>
-              <a:t> content from and </a:t>
-            </a:r>
-            <a:r>
-              <a:rPr lang="en-US" sz="2400" b="1" dirty="0"/>
-              <a:t>push</a:t>
-            </a:r>
-            <a:r>
-              <a:rPr lang="en-US" sz="2400" dirty="0"/>
-              <a:t> content into branches in all of these places. </a:t>
-            </a:r>
-          </a:p>
-        </p:txBody>
-      </p:sp>
       <p:pic>
         <p:nvPicPr>
-          <p:cNvPr id="2050" name="Picture 2"/>
+          <p:cNvPr id="8" name="Picture 7"/>
           <p:cNvPicPr>
-            <a:picLocks noChangeAspect="1" noChangeArrowheads="1"/>
+            <a:picLocks noChangeAspect="1"/>
           </p:cNvPicPr>
           <p:nvPr/>
         </p:nvPicPr>
         <p:blipFill>
-          <a:blip r:embed="rId2">
-            <a:extLst>
-              <a:ext uri="{28A0092B-C50C-407E-A947-70E740481C1C}">
-                <a14:useLocalDpi xmlns:a14="http://schemas.microsoft.com/office/drawing/2010/main" val="0"/>
-              </a:ext>
-            </a:extLst>
-          </a:blip>
-          <a:srcRect/>
+          <a:blip r:embed="rId2"/>
           <a:stretch>
             <a:fillRect/>
           </a:stretch>
         </p:blipFill>
-        <p:spPr bwMode="auto">
-          <a:xfrm>
-            <a:off x="599694" y="2660682"/>
-            <a:ext cx="6438900" cy="2152650"/>
+        <p:spPr>
+          <a:xfrm>
+            <a:off x="648652" y="2497455"/>
+            <a:ext cx="5667375" cy="2152650"/>
           </a:xfrm>
           <a:prstGeom prst="rect">
             <a:avLst/>
           </a:prstGeom>
-          <a:noFill/>
-          <a:ln>
-            <a:noFill/>
-          </a:ln>
-          <a:extLst>
-            <a:ext uri="{909E8E84-426E-40DD-AFC4-6F175D3DCCD1}">
-              <a14:hiddenFill xmlns:a14="http://schemas.microsoft.com/office/drawing/2010/main">
-                <a:solidFill>
-                  <a:schemeClr val="accent1"/>
-                </a:solidFill>
-              </a14:hiddenFill>
-            </a:ext>
-            <a:ext uri="{91240B29-F687-4F45-9708-019B960494DF}">
-              <a14:hiddenLine xmlns:a14="http://schemas.microsoft.com/office/drawing/2010/main" w="9525">
-                <a:solidFill>
-                  <a:schemeClr val="tx1"/>
-                </a:solidFill>
-                <a:miter lim="800000"/>
-                <a:headEnd/>
-                <a:tailEnd/>
-              </a14:hiddenLine>
-            </a:ext>
-          </a:extLst>
         </p:spPr>
       </p:pic>
+      <p:sp>
+        <p:nvSpPr>
+          <p:cNvPr id="2" name="Title 1"/>
+          <p:cNvSpPr>
+            <a:spLocks noGrp="1"/>
+          </p:cNvSpPr>
+          <p:nvPr>
+            <p:ph type="title"/>
+          </p:nvPr>
+        </p:nvSpPr>
+        <p:spPr/>
+        <p:txBody>
+          <a:bodyPr/>
+          <a:lstStyle/>
+          <a:p>
+            <a:r>
+              <a:rPr lang="en-US" dirty="0"/>
+              <a:t>Git Bash</a:t>
+            </a:r>
+          </a:p>
+        </p:txBody>
+      </p:sp>
+      <p:sp>
+        <p:nvSpPr>
+          <p:cNvPr id="3" name="Content Placeholder 2"/>
+          <p:cNvSpPr>
+            <a:spLocks noGrp="1"/>
+          </p:cNvSpPr>
+          <p:nvPr>
+            <p:ph idx="1"/>
+          </p:nvPr>
+        </p:nvSpPr>
+        <p:spPr>
+          <a:xfrm>
+            <a:off x="3303135" y="772432"/>
+            <a:ext cx="8437108" cy="1480911"/>
+          </a:xfrm>
+        </p:spPr>
+        <p:txBody>
+          <a:bodyPr>
+            <a:normAutofit/>
+          </a:bodyPr>
+          <a:lstStyle/>
+          <a:p>
+            <a:pPr marL="0" indent="0">
+              <a:buNone/>
+            </a:pPr>
+            <a:r>
+              <a:rPr lang="en-US" sz="2400" dirty="0"/>
+              <a:t>The command line tool you use to interact with the core repo, your forked repo, and the local copy of your fork. You use it to </a:t>
+            </a:r>
+            <a:r>
+              <a:rPr lang="en-US" sz="2400" b="1" dirty="0"/>
+              <a:t>pull</a:t>
+            </a:r>
+            <a:r>
+              <a:rPr lang="en-US" sz="2400" dirty="0"/>
+              <a:t> content from and </a:t>
+            </a:r>
+            <a:r>
+              <a:rPr lang="en-US" sz="2400" b="1" dirty="0"/>
+              <a:t>push</a:t>
+            </a:r>
+            <a:r>
+              <a:rPr lang="en-US" sz="2400" dirty="0"/>
+              <a:t> content into branches in all of these places. </a:t>
+            </a:r>
+          </a:p>
+        </p:txBody>
+      </p:sp>
       <p:sp>
         <p:nvSpPr>
           <p:cNvPr id="5" name="Rectangular Callout 4"/>
@@ -13495,8 +13008,8 @@
           </a:xfrm>
           <a:prstGeom prst="wedgeRectCallout">
             <a:avLst>
-              <a:gd name="adj1" fmla="val -220621"/>
-              <a:gd name="adj2" fmla="val 7730"/>
+              <a:gd name="adj1" fmla="val -228341"/>
+              <a:gd name="adj2" fmla="val 96947"/>
             </a:avLst>
           </a:prstGeom>
           <a:solidFill>
@@ -13554,8 +13067,8 @@
           </a:xfrm>
           <a:prstGeom prst="wedgeRectCallout">
             <a:avLst>
-              <a:gd name="adj1" fmla="val -139600"/>
-              <a:gd name="adj2" fmla="val -107630"/>
+              <a:gd name="adj1" fmla="val -102818"/>
+              <a:gd name="adj2" fmla="val -51135"/>
             </a:avLst>
           </a:prstGeom>
           <a:solidFill>
@@ -13595,8 +13108,21 @@
                   <a:schemeClr val="tx1"/>
                 </a:solidFill>
               </a:rPr>
-              <a:t>The local working branch is listed in parentheses. The default is usually “master”. Work only in master if you want your changes to be published to the live site.</a:t>
-            </a:r>
+              <a:t>The local working branch is listed in parentheses. The default is usually “</a:t>
+            </a:r>
+            <a:r>
+              <a:rPr lang="en-US" sz="1400" dirty="0" smtClean="0">
+                <a:solidFill>
+                  <a:schemeClr val="tx1"/>
+                </a:solidFill>
+              </a:rPr>
+              <a:t>master”, but contributors should work in their own branch.</a:t>
+            </a:r>
+            <a:endParaRPr lang="en-US" sz="1400" dirty="0">
+              <a:solidFill>
+                <a:schemeClr val="tx1"/>
+              </a:solidFill>
+            </a:endParaRPr>
           </a:p>
         </p:txBody>
       </p:sp>
@@ -13800,154 +13326,6 @@
           </a:p>
         </p:txBody>
       </p:sp>
-      <p:pic>
-        <p:nvPicPr>
-          <p:cNvPr id="1026" name="Picture 2"/>
-          <p:cNvPicPr>
-            <a:picLocks noChangeAspect="1" noChangeArrowheads="1"/>
-          </p:cNvPicPr>
-          <p:nvPr/>
-        </p:nvPicPr>
-        <p:blipFill>
-          <a:blip r:embed="rId2">
-            <a:extLst>
-              <a:ext uri="{28A0092B-C50C-407E-A947-70E740481C1C}">
-                <a14:useLocalDpi xmlns:a14="http://schemas.microsoft.com/office/drawing/2010/main" val="0"/>
-              </a:ext>
-            </a:extLst>
-          </a:blip>
-          <a:srcRect/>
-          <a:stretch>
-            <a:fillRect/>
-          </a:stretch>
-        </p:blipFill>
-        <p:spPr bwMode="auto">
-          <a:xfrm>
-            <a:off x="4414982" y="1356200"/>
-            <a:ext cx="6523615" cy="1529319"/>
-          </a:xfrm>
-          <a:prstGeom prst="rect">
-            <a:avLst/>
-          </a:prstGeom>
-          <a:noFill/>
-          <a:ln w="9525">
-            <a:solidFill>
-              <a:schemeClr val="bg1">
-                <a:lumMod val="85000"/>
-              </a:schemeClr>
-            </a:solidFill>
-            <a:miter lim="800000"/>
-            <a:headEnd/>
-            <a:tailEnd/>
-          </a:ln>
-          <a:extLst>
-            <a:ext uri="{909E8E84-426E-40DD-AFC4-6F175D3DCCD1}">
-              <a14:hiddenFill xmlns:a14="http://schemas.microsoft.com/office/drawing/2010/main">
-                <a:solidFill>
-                  <a:schemeClr val="accent1"/>
-                </a:solidFill>
-              </a14:hiddenFill>
-            </a:ext>
-          </a:extLst>
-        </p:spPr>
-      </p:pic>
-      <p:sp>
-        <p:nvSpPr>
-          <p:cNvPr id="5" name="Rectangle 4"/>
-          <p:cNvSpPr/>
-          <p:nvPr/>
-        </p:nvSpPr>
-        <p:spPr>
-          <a:xfrm>
-            <a:off x="10002982" y="2235200"/>
-            <a:ext cx="785091" cy="249382"/>
-          </a:xfrm>
-          <a:prstGeom prst="rect">
-            <a:avLst/>
-          </a:prstGeom>
-          <a:noFill/>
-          <a:ln w="19050">
-            <a:solidFill>
-              <a:srgbClr val="FF0000"/>
-            </a:solidFill>
-          </a:ln>
-        </p:spPr>
-        <p:style>
-          <a:lnRef idx="2">
-            <a:schemeClr val="accent1">
-              <a:shade val="50000"/>
-            </a:schemeClr>
-          </a:lnRef>
-          <a:fillRef idx="1">
-            <a:schemeClr val="accent1"/>
-          </a:fillRef>
-          <a:effectRef idx="0">
-            <a:schemeClr val="accent1"/>
-          </a:effectRef>
-          <a:fontRef idx="minor">
-            <a:schemeClr val="lt1"/>
-          </a:fontRef>
-        </p:style>
-        <p:txBody>
-          <a:bodyPr rtlCol="0" anchor="ctr"/>
-          <a:lstStyle/>
-          <a:p>
-            <a:pPr algn="ctr"/>
-            <a:endParaRPr lang="en-US"/>
-          </a:p>
-        </p:txBody>
-      </p:sp>
-      <p:pic>
-        <p:nvPicPr>
-          <p:cNvPr id="1027" name="Picture 3"/>
-          <p:cNvPicPr>
-            <a:picLocks noChangeAspect="1" noChangeArrowheads="1"/>
-          </p:cNvPicPr>
-          <p:nvPr/>
-        </p:nvPicPr>
-        <p:blipFill>
-          <a:blip r:embed="rId3">
-            <a:extLst>
-              <a:ext uri="{28A0092B-C50C-407E-A947-70E740481C1C}">
-                <a14:useLocalDpi xmlns:a14="http://schemas.microsoft.com/office/drawing/2010/main" val="0"/>
-              </a:ext>
-            </a:extLst>
-          </a:blip>
-          <a:srcRect/>
-          <a:stretch>
-            <a:fillRect/>
-          </a:stretch>
-        </p:blipFill>
-        <p:spPr bwMode="auto">
-          <a:xfrm>
-            <a:off x="4414982" y="3130076"/>
-            <a:ext cx="6448281" cy="2847293"/>
-          </a:xfrm>
-          <a:prstGeom prst="rect">
-            <a:avLst/>
-          </a:prstGeom>
-          <a:noFill/>
-          <a:ln w="9525">
-            <a:solidFill>
-              <a:schemeClr val="bg1">
-                <a:lumMod val="85000"/>
-              </a:schemeClr>
-            </a:solidFill>
-            <a:miter lim="800000"/>
-            <a:headEnd/>
-            <a:tailEnd/>
-          </a:ln>
-          <a:extLst>
-            <a:ext uri="{909E8E84-426E-40DD-AFC4-6F175D3DCCD1}">
-              <a14:hiddenFill xmlns:a14="http://schemas.microsoft.com/office/drawing/2010/main">
-                <a:solidFill>
-                  <a:schemeClr val="accent1"/>
-                </a:solidFill>
-              </a14:hiddenFill>
-            </a:ext>
-          </a:extLst>
-        </p:spPr>
-      </p:pic>
       <p:sp>
         <p:nvSpPr>
           <p:cNvPr id="8" name="Rectangle 7"/>
@@ -14220,6 +13598,54 @@
           </a:p>
         </p:txBody>
       </p:sp>
+      <p:pic>
+        <p:nvPicPr>
+          <p:cNvPr id="6" name="Picture 5"/>
+          <p:cNvPicPr>
+            <a:picLocks noChangeAspect="1"/>
+          </p:cNvPicPr>
+          <p:nvPr/>
+        </p:nvPicPr>
+        <p:blipFill>
+          <a:blip r:embed="rId2"/>
+          <a:stretch>
+            <a:fillRect/>
+          </a:stretch>
+        </p:blipFill>
+        <p:spPr>
+          <a:xfrm>
+            <a:off x="4752975" y="1333501"/>
+            <a:ext cx="6119481" cy="1657360"/>
+          </a:xfrm>
+          <a:prstGeom prst="rect">
+            <a:avLst/>
+          </a:prstGeom>
+        </p:spPr>
+      </p:pic>
+      <p:pic>
+        <p:nvPicPr>
+          <p:cNvPr id="12" name="Picture 11"/>
+          <p:cNvPicPr>
+            <a:picLocks noChangeAspect="1"/>
+          </p:cNvPicPr>
+          <p:nvPr/>
+        </p:nvPicPr>
+        <p:blipFill>
+          <a:blip r:embed="rId3"/>
+          <a:stretch>
+            <a:fillRect/>
+          </a:stretch>
+        </p:blipFill>
+        <p:spPr>
+          <a:xfrm>
+            <a:off x="4752974" y="3097396"/>
+            <a:ext cx="6119481" cy="3441516"/>
+          </a:xfrm>
+          <a:prstGeom prst="rect">
+            <a:avLst/>
+          </a:prstGeom>
+        </p:spPr>
+      </p:pic>
     </p:spTree>
     <p:extLst>
       <p:ext uri="{BB962C8B-B14F-4D97-AF65-F5344CB8AC3E}">
@@ -15274,21 +14700,6 @@
 </file>
 
 <file path=customXml/item1.xml><?xml version="1.0" encoding="utf-8"?>
-<p:properties xmlns:p="http://schemas.microsoft.com/office/2006/metadata/properties" xmlns:xsi="http://www.w3.org/2001/XMLSchema-instance" xmlns:pc="http://schemas.microsoft.com/office/infopath/2007/PartnerControls">
-  <documentManagement/>
-</p:properties>
-</file>
-
-<file path=customXml/item2.xml><?xml version="1.0" encoding="utf-8"?>
-<?mso-contentType ?>
-<FormTemplates xmlns="http://schemas.microsoft.com/sharepoint/v3/contenttype/forms">
-  <Display>DocumentLibraryForm</Display>
-  <Edit>DocumentLibraryForm</Edit>
-  <New>DocumentLibraryForm</New>
-</FormTemplates>
-</file>
-
-<file path=customXml/item3.xml><?xml version="1.0" encoding="utf-8"?>
 <ct:contentTypeSchema xmlns:ct="http://schemas.microsoft.com/office/2006/metadata/contentType" xmlns:ma="http://schemas.microsoft.com/office/2006/metadata/properties/metaAttributes" ct:_="" ma:_="" ma:contentTypeName="Document" ma:contentTypeID="0x0101002D8D517D403438489EB1B5FF459F45BC" ma:contentTypeVersion="8" ma:contentTypeDescription="Create a new document." ma:contentTypeScope="" ma:versionID="cc5d5d9a5225c9afe3d4d0cdec872e70">
   <xsd:schema xmlns:xsd="http://www.w3.org/2001/XMLSchema" xmlns:xs="http://www.w3.org/2001/XMLSchema" xmlns:p="http://schemas.microsoft.com/office/2006/metadata/properties" xmlns:ns2="2e11b04f-6e8d-4882-a142-63014911b215" targetNamespace="http://schemas.microsoft.com/office/2006/metadata/properties" ma:root="true" ma:fieldsID="336bede8c77ac453e9b0ba994f160122" ns2:_="">
     <xsd:import namespace="2e11b04f-6e8d-4882-a142-63014911b215"/>
@@ -15436,31 +14847,22 @@
 </ct:contentTypeSchema>
 </file>
 
-<file path=customXml/itemProps1.xml><?xml version="1.0" encoding="utf-8"?>
-<ds:datastoreItem xmlns:ds="http://schemas.openxmlformats.org/officeDocument/2006/customXml" ds:itemID="{A5F7F9F1-12BA-452E-90D7-DE79BA87BD84}">
-  <ds:schemaRefs>
-    <ds:schemaRef ds:uri="http://schemas.microsoft.com/office/2006/documentManagement/types"/>
-    <ds:schemaRef ds:uri="http://purl.org/dc/elements/1.1/"/>
-    <ds:schemaRef ds:uri="http://schemas.microsoft.com/office/infopath/2007/PartnerControls"/>
-    <ds:schemaRef ds:uri="http://schemas.openxmlformats.org/package/2006/metadata/core-properties"/>
-    <ds:schemaRef ds:uri="2e11b04f-6e8d-4882-a142-63014911b215"/>
-    <ds:schemaRef ds:uri="http://purl.org/dc/terms/"/>
-    <ds:schemaRef ds:uri="http://schemas.microsoft.com/office/2006/metadata/properties"/>
-    <ds:schemaRef ds:uri="http://www.w3.org/XML/1998/namespace"/>
-    <ds:schemaRef ds:uri="http://purl.org/dc/dcmitype/"/>
-  </ds:schemaRefs>
-</ds:datastoreItem>
+<file path=customXml/item2.xml><?xml version="1.0" encoding="utf-8"?>
+<?mso-contentType ?>
+<FormTemplates xmlns="http://schemas.microsoft.com/sharepoint/v3/contenttype/forms">
+  <Display>DocumentLibraryForm</Display>
+  <Edit>DocumentLibraryForm</Edit>
+  <New>DocumentLibraryForm</New>
+</FormTemplates>
 </file>
 
-<file path=customXml/itemProps2.xml><?xml version="1.0" encoding="utf-8"?>
-<ds:datastoreItem xmlns:ds="http://schemas.openxmlformats.org/officeDocument/2006/customXml" ds:itemID="{5714A384-EA5A-49BA-A851-7DD4B651B8C6}">
-  <ds:schemaRefs>
-    <ds:schemaRef ds:uri="http://schemas.microsoft.com/sharepoint/v3/contenttype/forms"/>
-  </ds:schemaRefs>
-</ds:datastoreItem>
+<file path=customXml/item3.xml><?xml version="1.0" encoding="utf-8"?>
+<p:properties xmlns:p="http://schemas.microsoft.com/office/2006/metadata/properties" xmlns:xsi="http://www.w3.org/2001/XMLSchema-instance" xmlns:pc="http://schemas.microsoft.com/office/infopath/2007/PartnerControls">
+  <documentManagement/>
+</p:properties>
 </file>
 
-<file path=customXml/itemProps3.xml><?xml version="1.0" encoding="utf-8"?>
+<file path=customXml/itemProps1.xml><?xml version="1.0" encoding="utf-8"?>
 <ds:datastoreItem xmlns:ds="http://schemas.openxmlformats.org/officeDocument/2006/customXml" ds:itemID="{4445427E-74DF-425E-82DE-958D8AF50D30}">
   <ds:schemaRefs>
     <ds:schemaRef ds:uri="http://schemas.microsoft.com/office/2006/metadata/contentType"/>
@@ -15476,4 +14878,28 @@
     <ds:schemaRef ds:uri="http://schemas.microsoft.com/internal/obd"/>
   </ds:schemaRefs>
 </ds:datastoreItem>
+</file>
+
+<file path=customXml/itemProps2.xml><?xml version="1.0" encoding="utf-8"?>
+<ds:datastoreItem xmlns:ds="http://schemas.openxmlformats.org/officeDocument/2006/customXml" ds:itemID="{5714A384-EA5A-49BA-A851-7DD4B651B8C6}">
+  <ds:schemaRefs>
+    <ds:schemaRef ds:uri="http://schemas.microsoft.com/sharepoint/v3/contenttype/forms"/>
+  </ds:schemaRefs>
+</ds:datastoreItem>
+</file>
+
+<file path=customXml/itemProps3.xml><?xml version="1.0" encoding="utf-8"?>
+<ds:datastoreItem xmlns:ds="http://schemas.openxmlformats.org/officeDocument/2006/customXml" ds:itemID="{A5F7F9F1-12BA-452E-90D7-DE79BA87BD84}">
+  <ds:schemaRefs>
+    <ds:schemaRef ds:uri="http://schemas.microsoft.com/office/2006/documentManagement/types"/>
+    <ds:schemaRef ds:uri="http://purl.org/dc/elements/1.1/"/>
+    <ds:schemaRef ds:uri="http://schemas.microsoft.com/office/infopath/2007/PartnerControls"/>
+    <ds:schemaRef ds:uri="http://schemas.openxmlformats.org/package/2006/metadata/core-properties"/>
+    <ds:schemaRef ds:uri="2e11b04f-6e8d-4882-a142-63014911b215"/>
+    <ds:schemaRef ds:uri="http://purl.org/dc/terms/"/>
+    <ds:schemaRef ds:uri="http://schemas.microsoft.com/office/2006/metadata/properties"/>
+    <ds:schemaRef ds:uri="http://www.w3.org/XML/1998/namespace"/>
+    <ds:schemaRef ds:uri="http://purl.org/dc/dcmitype/"/>
+  </ds:schemaRefs>
+</ds:datastoreItem>
 </file>